--- a/Poster.pptx
+++ b/Poster.pptx
@@ -2678,8 +2678,8 @@
         </p:blipFill>
         <p:spPr>
           <a:xfrm>
-            <a:off x="2213894" y="24108985"/>
-            <a:ext cx="8065065" cy="6048799"/>
+            <a:off x="1665288" y="24317261"/>
+            <a:ext cx="6650714" cy="4988036"/>
           </a:xfrm>
           <a:prstGeom prst="rect">
             <a:avLst/>
@@ -2708,8 +2708,8 @@
         </p:blipFill>
         <p:spPr>
           <a:xfrm>
-            <a:off x="2077426" y="17624474"/>
-            <a:ext cx="8255996" cy="6191997"/>
+            <a:off x="1480079" y="18643818"/>
+            <a:ext cx="6601353" cy="4951015"/>
           </a:xfrm>
           <a:prstGeom prst="rect">
             <a:avLst/>
@@ -3268,7 +3268,7 @@
         </p:nvSpPr>
         <p:spPr bwMode="auto">
           <a:xfrm>
-            <a:off x="1087027" y="4715642"/>
+            <a:off x="1087027" y="4779505"/>
             <a:ext cx="11491878" cy="830997"/>
           </a:xfrm>
           <a:prstGeom prst="rect">
@@ -3324,7 +3324,7 @@
           <a:graphicData uri="http://schemas.openxmlformats.org/presentationml/2006/ole">
             <mc:AlternateContent xmlns:mc="http://schemas.openxmlformats.org/markup-compatibility/2006">
               <mc:Choice xmlns:v="urn:schemas-microsoft-com:vml" Requires="v">
-                <p:oleObj spid="_x0000_s1426" name="Equation" r:id="rId10" imgW="5346360" imgH="927000" progId="Equation.DSMT4">
+                <p:oleObj spid="_x0000_s1456" name="Equation" r:id="rId10" imgW="5346360" imgH="927000" progId="Equation.DSMT4">
                   <p:embed/>
                 </p:oleObj>
               </mc:Choice>
@@ -3369,7 +3369,7 @@
         </p:nvSpPr>
         <p:spPr bwMode="auto">
           <a:xfrm>
-            <a:off x="732956" y="3592849"/>
+            <a:off x="722675" y="3966145"/>
             <a:ext cx="5806389" cy="1107996"/>
           </a:xfrm>
           <a:prstGeom prst="rect">
@@ -3513,7 +3513,7 @@
           <a:graphicData uri="http://schemas.openxmlformats.org/presentationml/2006/ole">
             <mc:AlternateContent xmlns:mc="http://schemas.openxmlformats.org/markup-compatibility/2006">
               <mc:Choice xmlns:v="urn:schemas-microsoft-com:vml" Requires="v">
-                <p:oleObj spid="_x0000_s1427" name="Equation" r:id="rId12" imgW="5841720" imgH="685800" progId="Equation.DSMT4">
+                <p:oleObj spid="_x0000_s1457" name="Equation" r:id="rId12" imgW="5841720" imgH="685800" progId="Equation.DSMT4">
                   <p:embed/>
                 </p:oleObj>
               </mc:Choice>
@@ -3602,7 +3602,7 @@
         </p:nvSpPr>
         <p:spPr bwMode="auto">
           <a:xfrm>
-            <a:off x="8138197" y="3103937"/>
+            <a:off x="6803622" y="3661162"/>
             <a:ext cx="6938646" cy="1320361"/>
           </a:xfrm>
           <a:prstGeom prst="rect">
@@ -3673,7 +3673,7 @@
         </p:nvSpPr>
         <p:spPr bwMode="auto">
           <a:xfrm>
-            <a:off x="1087027" y="9497074"/>
+            <a:off x="1087027" y="9771175"/>
             <a:ext cx="4104213" cy="830997"/>
           </a:xfrm>
           <a:prstGeom prst="rect">
@@ -3717,7 +3717,7 @@
         </p:nvSpPr>
         <p:spPr bwMode="auto">
           <a:xfrm>
-            <a:off x="1087027" y="16940607"/>
+            <a:off x="1087027" y="17604545"/>
             <a:ext cx="11491878" cy="830997"/>
           </a:xfrm>
           <a:prstGeom prst="rect">
@@ -3804,25 +3804,25 @@
           <p:nvPr>
             <p:extLst>
               <p:ext uri="{D42A27DB-BD31-4B8C-83A1-F6EECF244321}">
-                <p14:modId xmlns:p14="http://schemas.microsoft.com/office/powerpoint/2010/main" val="1614064606"/>
+                <p14:modId xmlns:p14="http://schemas.microsoft.com/office/powerpoint/2010/main" val="387953785"/>
               </p:ext>
             </p:extLst>
           </p:nvPr>
         </p:nvGraphicFramePr>
         <p:xfrm>
-          <a:off x="1702361" y="5556107"/>
-          <a:ext cx="9372852" cy="1519175"/>
+          <a:off x="1591641" y="6873337"/>
+          <a:ext cx="8203149" cy="1803670"/>
         </p:xfrm>
         <a:graphic>
           <a:graphicData uri="http://schemas.openxmlformats.org/presentationml/2006/ole">
             <mc:AlternateContent xmlns:mc="http://schemas.openxmlformats.org/markup-compatibility/2006">
               <mc:Choice xmlns:v="urn:schemas-microsoft-com:vml" Requires="v">
-                <p:oleObj spid="_x0000_s1428" name="Equation" r:id="rId14" imgW="4076640" imgH="660240" progId="Equation.DSMT4">
+                <p:oleObj spid="_x0000_s1458" name="Equation" r:id="rId14" imgW="3987720" imgH="876240" progId="Equation.DSMT4">
                   <p:embed/>
                 </p:oleObj>
               </mc:Choice>
               <mc:Fallback>
-                <p:oleObj name="Equation" r:id="rId14" imgW="4076640" imgH="660240" progId="Equation.DSMT4">
+                <p:oleObj name="Equation" r:id="rId14" imgW="3987720" imgH="876240" progId="Equation.DSMT4">
                   <p:embed/>
                   <p:pic>
                     <p:nvPicPr>
@@ -3838,8 +3838,8 @@
                     </p:blipFill>
                     <p:spPr>
                       <a:xfrm>
-                        <a:off x="1702361" y="5556107"/>
-                        <a:ext cx="9372852" cy="1519175"/>
+                        <a:off x="1591641" y="6873337"/>
+                        <a:ext cx="8203149" cy="1803670"/>
                       </a:xfrm>
                       <a:prstGeom prst="rect">
                         <a:avLst/>
@@ -3861,20 +3861,20 @@
           <p:nvPr>
             <p:extLst>
               <p:ext uri="{D42A27DB-BD31-4B8C-83A1-F6EECF244321}">
-                <p14:modId xmlns:p14="http://schemas.microsoft.com/office/powerpoint/2010/main" val="2177992941"/>
+                <p14:modId xmlns:p14="http://schemas.microsoft.com/office/powerpoint/2010/main" val="3789169325"/>
               </p:ext>
             </p:extLst>
           </p:nvPr>
         </p:nvGraphicFramePr>
         <p:xfrm>
-          <a:off x="1701800" y="10394950"/>
+          <a:off x="1707327" y="10690136"/>
           <a:ext cx="6157913" cy="6707188"/>
         </p:xfrm>
         <a:graphic>
           <a:graphicData uri="http://schemas.openxmlformats.org/presentationml/2006/ole">
             <mc:AlternateContent xmlns:mc="http://schemas.openxmlformats.org/markup-compatibility/2006">
               <mc:Choice xmlns:v="urn:schemas-microsoft-com:vml" Requires="v">
-                <p:oleObj spid="_x0000_s1429" name="Equation" r:id="rId16" imgW="3009600" imgH="3276360" progId="Equation.DSMT4">
+                <p:oleObj spid="_x0000_s1459" name="Equation" r:id="rId16" imgW="3009600" imgH="3276360" progId="Equation.DSMT4">
                   <p:embed/>
                 </p:oleObj>
               </mc:Choice>
@@ -3895,7 +3895,7 @@
                     </p:blipFill>
                     <p:spPr>
                       <a:xfrm>
-                        <a:off x="1701800" y="10394950"/>
+                        <a:off x="1707327" y="10690136"/>
                         <a:ext cx="6157913" cy="6707188"/>
                       </a:xfrm>
                       <a:prstGeom prst="rect">
@@ -3918,25 +3918,25 @@
           <p:nvPr>
             <p:extLst>
               <p:ext uri="{D42A27DB-BD31-4B8C-83A1-F6EECF244321}">
-                <p14:modId xmlns:p14="http://schemas.microsoft.com/office/powerpoint/2010/main" val="192516313"/>
+                <p14:modId xmlns:p14="http://schemas.microsoft.com/office/powerpoint/2010/main" val="2567105060"/>
               </p:ext>
             </p:extLst>
           </p:nvPr>
         </p:nvGraphicFramePr>
         <p:xfrm>
-          <a:off x="1665288" y="7018338"/>
-          <a:ext cx="7639050" cy="2524125"/>
+          <a:off x="1995856" y="4675197"/>
+          <a:ext cx="7255675" cy="2207947"/>
         </p:xfrm>
         <a:graphic>
           <a:graphicData uri="http://schemas.openxmlformats.org/presentationml/2006/ole">
             <mc:AlternateContent xmlns:mc="http://schemas.openxmlformats.org/markup-compatibility/2006">
               <mc:Choice xmlns:v="urn:schemas-microsoft-com:vml" Requires="v">
-                <p:oleObj spid="_x0000_s1430" name="Equation" r:id="rId18" imgW="3848040" imgH="1269720" progId="Equation.DSMT4">
+                <p:oleObj spid="_x0000_s1460" name="Equation" r:id="rId18" imgW="4178160" imgH="1269720" progId="Equation.DSMT4">
                   <p:embed/>
                 </p:oleObj>
               </mc:Choice>
               <mc:Fallback>
-                <p:oleObj name="Equation" r:id="rId18" imgW="3848040" imgH="1269720" progId="Equation.DSMT4">
+                <p:oleObj name="Equation" r:id="rId18" imgW="4178160" imgH="1269720" progId="Equation.DSMT4">
                   <p:embed/>
                   <p:pic>
                     <p:nvPicPr>
@@ -3952,8 +3952,8 @@
                     </p:blipFill>
                     <p:spPr>
                       <a:xfrm>
-                        <a:off x="1665288" y="7018338"/>
-                        <a:ext cx="7639050" cy="2524125"/>
+                        <a:off x="1995856" y="4675197"/>
+                        <a:ext cx="7255675" cy="2207947"/>
                       </a:xfrm>
                       <a:prstGeom prst="rect">
                         <a:avLst/>
@@ -4120,7 +4120,7 @@
           <a:graphicData uri="http://schemas.openxmlformats.org/presentationml/2006/ole">
             <mc:AlternateContent xmlns:mc="http://schemas.openxmlformats.org/markup-compatibility/2006">
               <mc:Choice xmlns:v="urn:schemas-microsoft-com:vml" Requires="v">
-                <p:oleObj spid="_x0000_s1431" name="Equation" r:id="rId20" imgW="4851360" imgH="4140000" progId="Equation.DSMT4">
+                <p:oleObj spid="_x0000_s1461" name="Equation" r:id="rId20" imgW="4851360" imgH="4140000" progId="Equation.DSMT4">
                   <p:embed/>
                 </p:oleObj>
               </mc:Choice>
@@ -4177,7 +4177,7 @@
           <a:graphicData uri="http://schemas.openxmlformats.org/presentationml/2006/ole">
             <mc:AlternateContent xmlns:mc="http://schemas.openxmlformats.org/markup-compatibility/2006">
               <mc:Choice xmlns:v="urn:schemas-microsoft-com:vml" Requires="v">
-                <p:oleObj spid="_x0000_s1432" name="Equation" r:id="rId22" imgW="1346040" imgH="533160" progId="Equation.DSMT4">
+                <p:oleObj spid="_x0000_s1462" name="Equation" r:id="rId22" imgW="1346040" imgH="533160" progId="Equation.DSMT4">
                   <p:embed/>
                 </p:oleObj>
               </mc:Choice>
@@ -4566,6 +4566,93 @@
           </a:prstGeom>
         </p:spPr>
       </p:pic>
+      <p:graphicFrame>
+        <p:nvGraphicFramePr>
+          <p:cNvPr id="3" name="Object 2"/>
+          <p:cNvGraphicFramePr>
+            <a:graphicFrameLocks noChangeAspect="1"/>
+          </p:cNvGraphicFramePr>
+          <p:nvPr>
+            <p:extLst>
+              <p:ext uri="{D42A27DB-BD31-4B8C-83A1-F6EECF244321}">
+                <p14:modId xmlns:p14="http://schemas.microsoft.com/office/powerpoint/2010/main" val="2636062570"/>
+              </p:ext>
+            </p:extLst>
+          </p:nvPr>
+        </p:nvGraphicFramePr>
+        <p:xfrm>
+          <a:off x="1657067" y="8666368"/>
+          <a:ext cx="9296400" cy="1443037"/>
+        </p:xfrm>
+        <a:graphic>
+          <a:graphicData uri="http://schemas.openxmlformats.org/presentationml/2006/ole">
+            <mc:AlternateContent xmlns:mc="http://schemas.openxmlformats.org/markup-compatibility/2006">
+              <mc:Choice xmlns:v="urn:schemas-microsoft-com:vml" Requires="v">
+                <p:oleObj spid="_x0000_s1463" name="Equation" r:id="rId27" imgW="4267080" imgH="660240" progId="Equation.DSMT4">
+                  <p:embed/>
+                </p:oleObj>
+              </mc:Choice>
+              <mc:Fallback>
+                <p:oleObj name="Equation" r:id="rId27" imgW="4267080" imgH="660240" progId="Equation.DSMT4">
+                  <p:embed/>
+                  <p:pic>
+                    <p:nvPicPr>
+                      <p:cNvPr id="0" name=""/>
+                      <p:cNvPicPr/>
+                      <p:nvPr/>
+                    </p:nvPicPr>
+                    <p:blipFill>
+                      <a:blip r:embed="rId28"/>
+                      <a:stretch>
+                        <a:fillRect/>
+                      </a:stretch>
+                    </p:blipFill>
+                    <p:spPr>
+                      <a:xfrm>
+                        <a:off x="1657067" y="8666368"/>
+                        <a:ext cx="9296400" cy="1443037"/>
+                      </a:xfrm>
+                      <a:prstGeom prst="rect">
+                        <a:avLst/>
+                      </a:prstGeom>
+                    </p:spPr>
+                  </p:pic>
+                </p:oleObj>
+              </mc:Fallback>
+            </mc:AlternateContent>
+          </a:graphicData>
+        </a:graphic>
+      </p:graphicFrame>
+      <p:sp>
+        <p:nvSpPr>
+          <p:cNvPr id="13" name="TextBox 12"/>
+          <p:cNvSpPr txBox="1"/>
+          <p:nvPr/>
+        </p:nvSpPr>
+        <p:spPr>
+          <a:xfrm>
+            <a:off x="9063789" y="19041979"/>
+            <a:ext cx="2213811" cy="523220"/>
+          </a:xfrm>
+          <a:prstGeom prst="rect">
+            <a:avLst/>
+          </a:prstGeom>
+          <a:noFill/>
+        </p:spPr>
+        <p:txBody>
+          <a:bodyPr wrap="square" rtlCol="0">
+            <a:spAutoFit/>
+          </a:bodyPr>
+          <a:lstStyle/>
+          <a:p>
+            <a:r>
+              <a:rPr lang="en-US" sz="2800" dirty="0" smtClean="0"/>
+              <a:t>Figure 1. </a:t>
+            </a:r>
+            <a:endParaRPr lang="en-US" sz="2800" dirty="0"/>
+          </a:p>
+        </p:txBody>
+      </p:sp>
     </p:spTree>
     <p:extLst>
       <p:ext uri="{BB962C8B-B14F-4D97-AF65-F5344CB8AC3E}">
@@ -5521,24 +5608,6 @@
 </file>
 
 <file path=customXml/item1.xml><?xml version="1.0" encoding="utf-8"?>
-<p:properties xmlns:p="http://schemas.microsoft.com/office/2006/metadata/properties" xmlns:xsi="http://www.w3.org/2001/XMLSchema-instance" xmlns:pc="http://schemas.microsoft.com/office/infopath/2007/PartnerControls">
-  <documentManagement>
-    <_Version xmlns="http://schemas.microsoft.com/sharepoint/v3/fields" xsi:nil="true"/>
-    <_Status xmlns="http://schemas.microsoft.com/sharepoint/v3/fields">Not Started</_Status>
-  </documentManagement>
-</p:properties>
-</file>
-
-<file path=customXml/item2.xml><?xml version="1.0" encoding="utf-8"?>
-<?mso-contentType ?>
-<FormTemplates xmlns="http://schemas.microsoft.com/sharepoint/v3/contenttype/forms">
-  <Display>DocumentLibraryForm</Display>
-  <Edit>DocumentLibraryForm</Edit>
-  <New>DocumentLibraryForm</New>
-</FormTemplates>
-</file>
-
-<file path=customXml/item3.xml><?xml version="1.0" encoding="utf-8"?>
 <ct:contentTypeSchema xmlns:ct="http://schemas.microsoft.com/office/2006/metadata/contentType" xmlns:ma="http://schemas.microsoft.com/office/2006/metadata/properties/metaAttributes" ct:_="" ma:_="" ma:contentTypeName="Document" ma:contentTypeID="0x0101000DE64AEEDD9B7A4D93545ACBE97D4615" ma:contentTypeVersion="2" ma:contentTypeDescription="Create a new document." ma:contentTypeScope="" ma:versionID="f49002b78e3a4a71b814eef46a983816">
   <xsd:schema xmlns:xsd="http://www.w3.org/2001/XMLSchema" xmlns:xs="http://www.w3.org/2001/XMLSchema" xmlns:p="http://schemas.microsoft.com/office/2006/metadata/properties" xmlns:ns2="http://schemas.microsoft.com/sharepoint/v3/fields" targetNamespace="http://schemas.microsoft.com/office/2006/metadata/properties" ma:root="true" ma:fieldsID="38f6db2dd0d9a0cf6a8dc37be32b365b" ns2:_="">
     <xsd:import namespace="http://schemas.microsoft.com/sharepoint/v3/fields"/>
@@ -5682,25 +5751,25 @@
 </ct:contentTypeSchema>
 </file>
 
-<file path=customXml/itemProps1.xml><?xml version="1.0" encoding="utf-8"?>
-<ds:datastoreItem xmlns:ds="http://schemas.openxmlformats.org/officeDocument/2006/customXml" ds:itemID="{7B6F2769-7194-4217-93D3-3AF3A4742282}">
-  <ds:schemaRefs>
-    <ds:schemaRef ds:uri="http://schemas.microsoft.com/office/2006/metadata/properties"/>
-    <ds:schemaRef ds:uri="http://schemas.microsoft.com/office/infopath/2007/PartnerControls"/>
-    <ds:schemaRef ds:uri="http://schemas.microsoft.com/sharepoint/v3/fields"/>
-  </ds:schemaRefs>
-</ds:datastoreItem>
+<file path=customXml/item2.xml><?xml version="1.0" encoding="utf-8"?>
+<?mso-contentType ?>
+<FormTemplates xmlns="http://schemas.microsoft.com/sharepoint/v3/contenttype/forms">
+  <Display>DocumentLibraryForm</Display>
+  <Edit>DocumentLibraryForm</Edit>
+  <New>DocumentLibraryForm</New>
+</FormTemplates>
 </file>
 
-<file path=customXml/itemProps2.xml><?xml version="1.0" encoding="utf-8"?>
-<ds:datastoreItem xmlns:ds="http://schemas.openxmlformats.org/officeDocument/2006/customXml" ds:itemID="{87D2A1B0-FF3E-4009-940D-AED0EB70AA20}">
-  <ds:schemaRefs>
-    <ds:schemaRef ds:uri="http://schemas.microsoft.com/sharepoint/v3/contenttype/forms"/>
-  </ds:schemaRefs>
-</ds:datastoreItem>
+<file path=customXml/item3.xml><?xml version="1.0" encoding="utf-8"?>
+<p:properties xmlns:p="http://schemas.microsoft.com/office/2006/metadata/properties" xmlns:xsi="http://www.w3.org/2001/XMLSchema-instance" xmlns:pc="http://schemas.microsoft.com/office/infopath/2007/PartnerControls">
+  <documentManagement>
+    <_Version xmlns="http://schemas.microsoft.com/sharepoint/v3/fields" xsi:nil="true"/>
+    <_Status xmlns="http://schemas.microsoft.com/sharepoint/v3/fields">Not Started</_Status>
+  </documentManagement>
+</p:properties>
 </file>
 
-<file path=customXml/itemProps3.xml><?xml version="1.0" encoding="utf-8"?>
+<file path=customXml/itemProps1.xml><?xml version="1.0" encoding="utf-8"?>
 <ds:datastoreItem xmlns:ds="http://schemas.openxmlformats.org/officeDocument/2006/customXml" ds:itemID="{E4214858-785C-42F7-BE66-6D0E79395FC8}">
   <ds:schemaRefs>
     <ds:schemaRef ds:uri="http://schemas.microsoft.com/office/2006/metadata/contentType"/>
@@ -5716,4 +5785,22 @@
     <ds:schemaRef ds:uri="http://schemas.microsoft.com/internal/obd"/>
   </ds:schemaRefs>
 </ds:datastoreItem>
+</file>
+
+<file path=customXml/itemProps2.xml><?xml version="1.0" encoding="utf-8"?>
+<ds:datastoreItem xmlns:ds="http://schemas.openxmlformats.org/officeDocument/2006/customXml" ds:itemID="{87D2A1B0-FF3E-4009-940D-AED0EB70AA20}">
+  <ds:schemaRefs>
+    <ds:schemaRef ds:uri="http://schemas.microsoft.com/sharepoint/v3/contenttype/forms"/>
+  </ds:schemaRefs>
+</ds:datastoreItem>
+</file>
+
+<file path=customXml/itemProps3.xml><?xml version="1.0" encoding="utf-8"?>
+<ds:datastoreItem xmlns:ds="http://schemas.openxmlformats.org/officeDocument/2006/customXml" ds:itemID="{7B6F2769-7194-4217-93D3-3AF3A4742282}">
+  <ds:schemaRefs>
+    <ds:schemaRef ds:uri="http://schemas.microsoft.com/office/2006/metadata/properties"/>
+    <ds:schemaRef ds:uri="http://schemas.microsoft.com/office/infopath/2007/PartnerControls"/>
+    <ds:schemaRef ds:uri="http://schemas.microsoft.com/sharepoint/v3/fields"/>
+  </ds:schemaRefs>
+</ds:datastoreItem>
 </file>